--- a/gpu/homework/homework5/Notice_TermProject_Homework5_Presentation.pptx
+++ b/gpu/homework/homework5/Notice_TermProject_Homework5_Presentation.pptx
@@ -143,7 +143,7 @@
   </p:defaultTextStyle>
   <p:extLst>
     <p:ext uri="{EFAFB233-063F-42B5-8137-9DF3F51BA10A}">
-      <p15:sldGuideLst xmlns:p15="http://schemas.microsoft.com/office/powerpoint/2012/main" xmlns="">
+      <p15:sldGuideLst xmlns:p15="http://schemas.microsoft.com/office/powerpoint/2012/main">
         <p15:guide id="1" orient="horz" pos="2160">
           <p15:clr>
             <a:srgbClr val="A4A3A4"/>
@@ -158,6 +158,10 @@
     </p:ext>
   </p:extLst>
 </p:presentation>
+</file>
+
+<file path=ppt/revisionInfo.xml><?xml version="1.0" encoding="utf-8"?>
+<p1510:revInfo xmlns:a="http://schemas.openxmlformats.org/drawingml/2006/main" xmlns:r="http://schemas.openxmlformats.org/officeDocument/2006/relationships" xmlns:p1510="http://schemas.microsoft.com/office/powerpoint/2015/10/main"/>
 </file>
 
 <file path=ppt/handoutMasters/handoutMaster1.xml><?xml version="1.0" encoding="utf-8"?>
@@ -242,7 +246,7 @@
           <a:p>
             <a:fld id="{0958D145-3F61-4970-8B92-DDA610F3EB4F}" type="datetimeFigureOut">
               <a:rPr lang="ko-KR" altLang="en-US" smtClean="0"/>
-              <a:t>2017-05-25</a:t>
+              <a:t>2017-05-28</a:t>
             </a:fld>
             <a:endParaRPr lang="ko-KR" altLang="en-US"/>
           </a:p>
@@ -437,7 +441,7 @@
               <a:pPr>
                 <a:defRPr/>
               </a:pPr>
-              <a:t>2017-05-25</a:t>
+              <a:t>2017-05-28</a:t>
             </a:fld>
             <a:endParaRPr lang="ko-KR" altLang="en-US"/>
           </a:p>
@@ -504,38 +508,37 @@
           <a:p>
             <a:pPr lvl="0"/>
             <a:r>
-              <a:rPr lang="ko-KR" altLang="en-US" noProof="0" smtClean="0"/>
+              <a:rPr lang="ko-KR" altLang="en-US" noProof="0"/>
               <a:t>마스터 텍스트 스타일을 편집합니다</a:t>
             </a:r>
           </a:p>
           <a:p>
             <a:pPr lvl="1"/>
             <a:r>
-              <a:rPr lang="ko-KR" altLang="en-US" noProof="0" smtClean="0"/>
+              <a:rPr lang="ko-KR" altLang="en-US" noProof="0"/>
               <a:t>둘째 수준</a:t>
             </a:r>
           </a:p>
           <a:p>
             <a:pPr lvl="2"/>
             <a:r>
-              <a:rPr lang="ko-KR" altLang="en-US" noProof="0" smtClean="0"/>
+              <a:rPr lang="ko-KR" altLang="en-US" noProof="0"/>
               <a:t>셋째 수준</a:t>
             </a:r>
           </a:p>
           <a:p>
             <a:pPr lvl="3"/>
             <a:r>
-              <a:rPr lang="ko-KR" altLang="en-US" noProof="0" smtClean="0"/>
+              <a:rPr lang="ko-KR" altLang="en-US" noProof="0"/>
               <a:t>넷째 수준</a:t>
             </a:r>
           </a:p>
           <a:p>
             <a:pPr lvl="4"/>
             <a:r>
-              <a:rPr lang="ko-KR" altLang="en-US" noProof="0" smtClean="0"/>
+              <a:rPr lang="ko-KR" altLang="en-US" noProof="0"/>
               <a:t>다섯째 수준</a:t>
             </a:r>
-            <a:endParaRPr lang="ko-KR" altLang="en-US" noProof="0"/>
           </a:p>
         </p:txBody>
       </p:sp>
@@ -1046,7 +1049,7 @@
           </a:lstStyle>
           <a:p>
             <a:r>
-              <a:rPr lang="ko-KR" altLang="en-US" smtClean="0"/>
+              <a:rPr lang="ko-KR" altLang="en-US"/>
               <a:t>마스터 제목 스타일 편집</a:t>
             </a:r>
             <a:endParaRPr lang="en-US"/>
@@ -1176,7 +1179,7 @@
           </a:lstStyle>
           <a:p>
             <a:r>
-              <a:rPr lang="ko-KR" altLang="en-US" smtClean="0"/>
+              <a:rPr lang="ko-KR" altLang="en-US"/>
               <a:t>마스터 부제목 스타일 편집</a:t>
             </a:r>
             <a:endParaRPr lang="en-US"/>
@@ -1210,7 +1213,7 @@
               <a:pPr>
                 <a:defRPr/>
               </a:pPr>
-              <a:t>5/25/2017</a:t>
+              <a:t>5/28/2017</a:t>
             </a:fld>
             <a:endParaRPr lang="en-US" altLang="ko-KR"/>
           </a:p>
@@ -1321,7 +1324,7 @@
           <a:lstStyle/>
           <a:p>
             <a:r>
-              <a:rPr lang="ko-KR" altLang="en-US" smtClean="0"/>
+              <a:rPr lang="ko-KR" altLang="en-US"/>
               <a:t>마스터 제목 스타일 편집</a:t>
             </a:r>
             <a:endParaRPr lang="en-US"/>
@@ -1350,35 +1353,35 @@
           <a:p>
             <a:pPr lvl="0"/>
             <a:r>
-              <a:rPr lang="ko-KR" altLang="en-US" smtClean="0"/>
+              <a:rPr lang="ko-KR" altLang="en-US"/>
               <a:t>마스터 텍스트 스타일을 편집합니다</a:t>
             </a:r>
           </a:p>
           <a:p>
             <a:pPr lvl="1"/>
             <a:r>
-              <a:rPr lang="ko-KR" altLang="en-US" smtClean="0"/>
+              <a:rPr lang="ko-KR" altLang="en-US"/>
               <a:t>둘째 수준</a:t>
             </a:r>
           </a:p>
           <a:p>
             <a:pPr lvl="2"/>
             <a:r>
-              <a:rPr lang="ko-KR" altLang="en-US" smtClean="0"/>
+              <a:rPr lang="ko-KR" altLang="en-US"/>
               <a:t>셋째 수준</a:t>
             </a:r>
           </a:p>
           <a:p>
             <a:pPr lvl="3"/>
             <a:r>
-              <a:rPr lang="ko-KR" altLang="en-US" smtClean="0"/>
+              <a:rPr lang="ko-KR" altLang="en-US"/>
               <a:t>넷째 수준</a:t>
             </a:r>
           </a:p>
           <a:p>
             <a:pPr lvl="4"/>
             <a:r>
-              <a:rPr lang="ko-KR" altLang="en-US" smtClean="0"/>
+              <a:rPr lang="ko-KR" altLang="en-US"/>
               <a:t>다섯째 수준</a:t>
             </a:r>
             <a:endParaRPr lang="en-US"/>
@@ -1412,7 +1415,7 @@
               <a:pPr>
                 <a:defRPr/>
               </a:pPr>
-              <a:t>5/25/2017</a:t>
+              <a:t>5/28/2017</a:t>
             </a:fld>
             <a:endParaRPr lang="en-US" altLang="ko-KR"/>
           </a:p>
@@ -1754,7 +1757,7 @@
           <a:lstStyle/>
           <a:p>
             <a:r>
-              <a:rPr lang="ko-KR" altLang="en-US" smtClean="0"/>
+              <a:rPr lang="ko-KR" altLang="en-US"/>
               <a:t>마스터 제목 스타일 편집</a:t>
             </a:r>
             <a:endParaRPr lang="en-US"/>
@@ -1783,35 +1786,35 @@
           <a:p>
             <a:pPr lvl="0"/>
             <a:r>
-              <a:rPr lang="ko-KR" altLang="en-US" smtClean="0"/>
+              <a:rPr lang="ko-KR" altLang="en-US"/>
               <a:t>마스터 텍스트 스타일을 편집합니다</a:t>
             </a:r>
           </a:p>
           <a:p>
             <a:pPr lvl="1"/>
             <a:r>
-              <a:rPr lang="ko-KR" altLang="en-US" smtClean="0"/>
+              <a:rPr lang="ko-KR" altLang="en-US"/>
               <a:t>둘째 수준</a:t>
             </a:r>
           </a:p>
           <a:p>
             <a:pPr lvl="2"/>
             <a:r>
-              <a:rPr lang="ko-KR" altLang="en-US" smtClean="0"/>
+              <a:rPr lang="ko-KR" altLang="en-US"/>
               <a:t>셋째 수준</a:t>
             </a:r>
           </a:p>
           <a:p>
             <a:pPr lvl="3"/>
             <a:r>
-              <a:rPr lang="ko-KR" altLang="en-US" smtClean="0"/>
+              <a:rPr lang="ko-KR" altLang="en-US"/>
               <a:t>넷째 수준</a:t>
             </a:r>
           </a:p>
           <a:p>
             <a:pPr lvl="4"/>
             <a:r>
-              <a:rPr lang="ko-KR" altLang="en-US" smtClean="0"/>
+              <a:rPr lang="ko-KR" altLang="en-US"/>
               <a:t>다섯째 수준</a:t>
             </a:r>
             <a:endParaRPr lang="en-US"/>
@@ -1845,7 +1848,7 @@
               <a:pPr>
                 <a:defRPr/>
               </a:pPr>
-              <a:t>5/25/2017</a:t>
+              <a:t>5/28/2017</a:t>
             </a:fld>
             <a:endParaRPr lang="en-US" altLang="ko-KR"/>
           </a:p>
@@ -1956,7 +1959,7 @@
           <a:lstStyle/>
           <a:p>
             <a:r>
-              <a:rPr lang="ko-KR" altLang="en-US" smtClean="0"/>
+              <a:rPr lang="ko-KR" altLang="en-US"/>
               <a:t>마스터 제목 스타일 편집</a:t>
             </a:r>
             <a:endParaRPr lang="en-US"/>
@@ -1980,35 +1983,35 @@
           <a:p>
             <a:pPr lvl="0"/>
             <a:r>
-              <a:rPr lang="ko-KR" altLang="en-US" smtClean="0"/>
+              <a:rPr lang="ko-KR" altLang="en-US"/>
               <a:t>마스터 텍스트 스타일을 편집합니다</a:t>
             </a:r>
           </a:p>
           <a:p>
             <a:pPr lvl="1"/>
             <a:r>
-              <a:rPr lang="ko-KR" altLang="en-US" smtClean="0"/>
+              <a:rPr lang="ko-KR" altLang="en-US"/>
               <a:t>둘째 수준</a:t>
             </a:r>
           </a:p>
           <a:p>
             <a:pPr lvl="2"/>
             <a:r>
-              <a:rPr lang="ko-KR" altLang="en-US" smtClean="0"/>
+              <a:rPr lang="ko-KR" altLang="en-US"/>
               <a:t>셋째 수준</a:t>
             </a:r>
           </a:p>
           <a:p>
             <a:pPr lvl="3"/>
             <a:r>
-              <a:rPr lang="ko-KR" altLang="en-US" smtClean="0"/>
+              <a:rPr lang="ko-KR" altLang="en-US"/>
               <a:t>넷째 수준</a:t>
             </a:r>
           </a:p>
           <a:p>
             <a:pPr lvl="4"/>
             <a:r>
-              <a:rPr lang="ko-KR" altLang="en-US" smtClean="0"/>
+              <a:rPr lang="ko-KR" altLang="en-US"/>
               <a:t>다섯째 수준</a:t>
             </a:r>
             <a:endParaRPr lang="en-US"/>
@@ -2042,7 +2045,7 @@
               <a:pPr>
                 <a:defRPr/>
               </a:pPr>
-              <a:t>5/25/2017</a:t>
+              <a:t>5/28/2017</a:t>
             </a:fld>
             <a:endParaRPr lang="en-US" altLang="ko-KR"/>
           </a:p>
@@ -2479,7 +2482,7 @@
           <a:p>
             <a:pPr lvl="0"/>
             <a:r>
-              <a:rPr lang="ko-KR" altLang="en-US" smtClean="0"/>
+              <a:rPr lang="ko-KR" altLang="en-US"/>
               <a:t>마스터 텍스트 스타일을 편집합니다</a:t>
             </a:r>
           </a:p>
@@ -2523,7 +2526,7 @@
           </a:lstStyle>
           <a:p>
             <a:r>
-              <a:rPr lang="ko-KR" altLang="en-US" smtClean="0"/>
+              <a:rPr lang="ko-KR" altLang="en-US"/>
               <a:t>마스터 제목 스타일 편집</a:t>
             </a:r>
             <a:endParaRPr lang="en-US"/>
@@ -2557,7 +2560,7 @@
               <a:pPr>
                 <a:defRPr/>
               </a:pPr>
-              <a:t>5/25/2017</a:t>
+              <a:t>5/28/2017</a:t>
             </a:fld>
             <a:endParaRPr lang="en-US" altLang="ko-KR"/>
           </a:p>
@@ -2668,7 +2671,7 @@
           <a:lstStyle/>
           <a:p>
             <a:r>
-              <a:rPr lang="ko-KR" altLang="en-US" smtClean="0"/>
+              <a:rPr lang="ko-KR" altLang="en-US"/>
               <a:t>마스터 제목 스타일 편집</a:t>
             </a:r>
             <a:endParaRPr lang="en-US"/>
@@ -2725,35 +2728,35 @@
           <a:p>
             <a:pPr lvl="0"/>
             <a:r>
-              <a:rPr lang="ko-KR" altLang="en-US" smtClean="0"/>
+              <a:rPr lang="ko-KR" altLang="en-US"/>
               <a:t>마스터 텍스트 스타일을 편집합니다</a:t>
             </a:r>
           </a:p>
           <a:p>
             <a:pPr lvl="1"/>
             <a:r>
-              <a:rPr lang="ko-KR" altLang="en-US" smtClean="0"/>
+              <a:rPr lang="ko-KR" altLang="en-US"/>
               <a:t>둘째 수준</a:t>
             </a:r>
           </a:p>
           <a:p>
             <a:pPr lvl="2"/>
             <a:r>
-              <a:rPr lang="ko-KR" altLang="en-US" smtClean="0"/>
+              <a:rPr lang="ko-KR" altLang="en-US"/>
               <a:t>셋째 수준</a:t>
             </a:r>
           </a:p>
           <a:p>
             <a:pPr lvl="3"/>
             <a:r>
-              <a:rPr lang="ko-KR" altLang="en-US" smtClean="0"/>
+              <a:rPr lang="ko-KR" altLang="en-US"/>
               <a:t>넷째 수준</a:t>
             </a:r>
           </a:p>
           <a:p>
             <a:pPr lvl="4"/>
             <a:r>
-              <a:rPr lang="ko-KR" altLang="en-US" smtClean="0"/>
+              <a:rPr lang="ko-KR" altLang="en-US"/>
               <a:t>다섯째 수준</a:t>
             </a:r>
             <a:endParaRPr lang="en-US"/>
@@ -2810,35 +2813,35 @@
           <a:p>
             <a:pPr lvl="0"/>
             <a:r>
-              <a:rPr lang="ko-KR" altLang="en-US" smtClean="0"/>
+              <a:rPr lang="ko-KR" altLang="en-US"/>
               <a:t>마스터 텍스트 스타일을 편집합니다</a:t>
             </a:r>
           </a:p>
           <a:p>
             <a:pPr lvl="1"/>
             <a:r>
-              <a:rPr lang="ko-KR" altLang="en-US" smtClean="0"/>
+              <a:rPr lang="ko-KR" altLang="en-US"/>
               <a:t>둘째 수준</a:t>
             </a:r>
           </a:p>
           <a:p>
             <a:pPr lvl="2"/>
             <a:r>
-              <a:rPr lang="ko-KR" altLang="en-US" smtClean="0"/>
+              <a:rPr lang="ko-KR" altLang="en-US"/>
               <a:t>셋째 수준</a:t>
             </a:r>
           </a:p>
           <a:p>
             <a:pPr lvl="3"/>
             <a:r>
-              <a:rPr lang="ko-KR" altLang="en-US" smtClean="0"/>
+              <a:rPr lang="ko-KR" altLang="en-US"/>
               <a:t>넷째 수준</a:t>
             </a:r>
           </a:p>
           <a:p>
             <a:pPr lvl="4"/>
             <a:r>
-              <a:rPr lang="ko-KR" altLang="en-US" smtClean="0"/>
+              <a:rPr lang="ko-KR" altLang="en-US"/>
               <a:t>다섯째 수준</a:t>
             </a:r>
             <a:endParaRPr lang="en-US"/>
@@ -2872,7 +2875,7 @@
               <a:pPr>
                 <a:defRPr/>
               </a:pPr>
-              <a:t>5/25/2017</a:t>
+              <a:t>5/28/2017</a:t>
             </a:fld>
             <a:endParaRPr lang="en-US" altLang="ko-KR"/>
           </a:p>
@@ -2987,7 +2990,7 @@
           </a:lstStyle>
           <a:p>
             <a:r>
-              <a:rPr lang="ko-KR" altLang="en-US" smtClean="0"/>
+              <a:rPr lang="ko-KR" altLang="en-US"/>
               <a:t>마스터 제목 스타일 편집</a:t>
             </a:r>
             <a:endParaRPr lang="en-US"/>
@@ -3080,7 +3083,7 @@
           <a:p>
             <a:pPr lvl="0"/>
             <a:r>
-              <a:rPr lang="ko-KR" altLang="en-US" smtClean="0"/>
+              <a:rPr lang="ko-KR" altLang="en-US"/>
               <a:t>마스터 텍스트 스타일을 편집합니다</a:t>
             </a:r>
           </a:p>
@@ -3136,35 +3139,35 @@
           <a:p>
             <a:pPr lvl="0"/>
             <a:r>
-              <a:rPr lang="ko-KR" altLang="en-US" smtClean="0"/>
+              <a:rPr lang="ko-KR" altLang="en-US"/>
               <a:t>마스터 텍스트 스타일을 편집합니다</a:t>
             </a:r>
           </a:p>
           <a:p>
             <a:pPr lvl="1"/>
             <a:r>
-              <a:rPr lang="ko-KR" altLang="en-US" smtClean="0"/>
+              <a:rPr lang="ko-KR" altLang="en-US"/>
               <a:t>둘째 수준</a:t>
             </a:r>
           </a:p>
           <a:p>
             <a:pPr lvl="2"/>
             <a:r>
-              <a:rPr lang="ko-KR" altLang="en-US" smtClean="0"/>
+              <a:rPr lang="ko-KR" altLang="en-US"/>
               <a:t>셋째 수준</a:t>
             </a:r>
           </a:p>
           <a:p>
             <a:pPr lvl="3"/>
             <a:r>
-              <a:rPr lang="ko-KR" altLang="en-US" smtClean="0"/>
+              <a:rPr lang="ko-KR" altLang="en-US"/>
               <a:t>넷째 수준</a:t>
             </a:r>
           </a:p>
           <a:p>
             <a:pPr lvl="4"/>
             <a:r>
-              <a:rPr lang="ko-KR" altLang="en-US" smtClean="0"/>
+              <a:rPr lang="ko-KR" altLang="en-US"/>
               <a:t>다섯째 수준</a:t>
             </a:r>
             <a:endParaRPr lang="en-US"/>
@@ -3257,7 +3260,7 @@
           <a:p>
             <a:pPr lvl="0"/>
             <a:r>
-              <a:rPr lang="ko-KR" altLang="en-US" smtClean="0"/>
+              <a:rPr lang="ko-KR" altLang="en-US"/>
               <a:t>마스터 텍스트 스타일을 편집합니다</a:t>
             </a:r>
           </a:p>
@@ -3313,35 +3316,35 @@
           <a:p>
             <a:pPr lvl="0"/>
             <a:r>
-              <a:rPr lang="ko-KR" altLang="en-US" smtClean="0"/>
+              <a:rPr lang="ko-KR" altLang="en-US"/>
               <a:t>마스터 텍스트 스타일을 편집합니다</a:t>
             </a:r>
           </a:p>
           <a:p>
             <a:pPr lvl="1"/>
             <a:r>
-              <a:rPr lang="ko-KR" altLang="en-US" smtClean="0"/>
+              <a:rPr lang="ko-KR" altLang="en-US"/>
               <a:t>둘째 수준</a:t>
             </a:r>
           </a:p>
           <a:p>
             <a:pPr lvl="2"/>
             <a:r>
-              <a:rPr lang="ko-KR" altLang="en-US" smtClean="0"/>
+              <a:rPr lang="ko-KR" altLang="en-US"/>
               <a:t>셋째 수준</a:t>
             </a:r>
           </a:p>
           <a:p>
             <a:pPr lvl="3"/>
             <a:r>
-              <a:rPr lang="ko-KR" altLang="en-US" smtClean="0"/>
+              <a:rPr lang="ko-KR" altLang="en-US"/>
               <a:t>넷째 수준</a:t>
             </a:r>
           </a:p>
           <a:p>
             <a:pPr lvl="4"/>
             <a:r>
-              <a:rPr lang="ko-KR" altLang="en-US" smtClean="0"/>
+              <a:rPr lang="ko-KR" altLang="en-US"/>
               <a:t>다섯째 수준</a:t>
             </a:r>
             <a:endParaRPr lang="en-US"/>
@@ -3375,7 +3378,7 @@
               <a:pPr>
                 <a:defRPr/>
               </a:pPr>
-              <a:t>5/25/2017</a:t>
+              <a:t>5/28/2017</a:t>
             </a:fld>
             <a:endParaRPr lang="en-US" altLang="ko-KR"/>
           </a:p>
@@ -3729,7 +3732,7 @@
           </a:lstStyle>
           <a:p>
             <a:r>
-              <a:rPr lang="ko-KR" altLang="en-US" smtClean="0"/>
+              <a:rPr lang="ko-KR" altLang="en-US"/>
               <a:t>마스터 제목 스타일 편집</a:t>
             </a:r>
             <a:endParaRPr lang="en-US"/>
@@ -3763,7 +3766,7 @@
               <a:pPr>
                 <a:defRPr/>
               </a:pPr>
-              <a:t>5/25/2017</a:t>
+              <a:t>5/28/2017</a:t>
             </a:fld>
             <a:endParaRPr lang="en-US" altLang="ko-KR"/>
           </a:p>
@@ -4221,7 +4224,7 @@
               <a:pPr>
                 <a:defRPr/>
               </a:pPr>
-              <a:t>5/25/2017</a:t>
+              <a:t>5/28/2017</a:t>
             </a:fld>
             <a:endParaRPr lang="en-US" altLang="ko-KR"/>
           </a:p>
@@ -4354,7 +4357,7 @@
           </a:lstStyle>
           <a:p>
             <a:r>
-              <a:rPr lang="ko-KR" altLang="en-US" smtClean="0"/>
+              <a:rPr lang="ko-KR" altLang="en-US"/>
               <a:t>마스터 제목 스타일 편집</a:t>
             </a:r>
             <a:endParaRPr lang="en-US"/>
@@ -4429,7 +4432,7 @@
           <a:p>
             <a:pPr lvl="0"/>
             <a:r>
-              <a:rPr lang="ko-KR" altLang="en-US" smtClean="0"/>
+              <a:rPr lang="ko-KR" altLang="en-US"/>
               <a:t>마스터 텍스트 스타일을 편집합니다</a:t>
             </a:r>
           </a:p>
@@ -4457,35 +4460,35 @@
           <a:p>
             <a:pPr lvl="0"/>
             <a:r>
-              <a:rPr lang="ko-KR" altLang="en-US" smtClean="0"/>
+              <a:rPr lang="ko-KR" altLang="en-US"/>
               <a:t>마스터 텍스트 스타일을 편집합니다</a:t>
             </a:r>
           </a:p>
           <a:p>
             <a:pPr lvl="1"/>
             <a:r>
-              <a:rPr lang="ko-KR" altLang="en-US" smtClean="0"/>
+              <a:rPr lang="ko-KR" altLang="en-US"/>
               <a:t>둘째 수준</a:t>
             </a:r>
           </a:p>
           <a:p>
             <a:pPr lvl="2"/>
             <a:r>
-              <a:rPr lang="ko-KR" altLang="en-US" smtClean="0"/>
+              <a:rPr lang="ko-KR" altLang="en-US"/>
               <a:t>셋째 수준</a:t>
             </a:r>
           </a:p>
           <a:p>
             <a:pPr lvl="3"/>
             <a:r>
-              <a:rPr lang="ko-KR" altLang="en-US" smtClean="0"/>
+              <a:rPr lang="ko-KR" altLang="en-US"/>
               <a:t>넷째 수준</a:t>
             </a:r>
           </a:p>
           <a:p>
             <a:pPr lvl="4"/>
             <a:r>
-              <a:rPr lang="ko-KR" altLang="en-US" smtClean="0"/>
+              <a:rPr lang="ko-KR" altLang="en-US"/>
               <a:t>다섯째 수준</a:t>
             </a:r>
             <a:endParaRPr lang="en-US"/>
@@ -4519,7 +4522,7 @@
               <a:pPr>
                 <a:defRPr/>
               </a:pPr>
-              <a:t>5/25/2017</a:t>
+              <a:t>5/28/2017</a:t>
             </a:fld>
             <a:endParaRPr lang="en-US" altLang="ko-KR"/>
           </a:p>
@@ -4652,7 +4655,7 @@
           </a:lstStyle>
           <a:p>
             <a:r>
-              <a:rPr lang="ko-KR" altLang="en-US" smtClean="0"/>
+              <a:rPr lang="ko-KR" altLang="en-US"/>
               <a:t>마스터 제목 스타일 편집</a:t>
             </a:r>
             <a:endParaRPr lang="en-US"/>
@@ -4750,7 +4753,7 @@
           <a:p>
             <a:pPr lvl="0"/>
             <a:r>
-              <a:rPr lang="ko-KR" altLang="en-US" noProof="0" smtClean="0"/>
+              <a:rPr lang="ko-KR" altLang="en-US" noProof="0"/>
               <a:t>그림을 추가하려면 아이콘을 클릭하십시오</a:t>
             </a:r>
             <a:endParaRPr lang="en-US" noProof="0"/>
@@ -4816,7 +4819,7 @@
           <a:p>
             <a:pPr lvl="0"/>
             <a:r>
-              <a:rPr lang="ko-KR" altLang="en-US" smtClean="0"/>
+              <a:rPr lang="ko-KR" altLang="en-US"/>
               <a:t>마스터 텍스트 스타일을 편집합니다</a:t>
             </a:r>
           </a:p>
@@ -4849,7 +4852,7 @@
               <a:pPr>
                 <a:defRPr/>
               </a:pPr>
-              <a:t>5/25/2017</a:t>
+              <a:t>5/28/2017</a:t>
             </a:fld>
             <a:endParaRPr lang="en-US" altLang="ko-KR"/>
           </a:p>
@@ -5230,7 +5233,7 @@
           <a:p>
             <a:pPr lvl="0"/>
             <a:r>
-              <a:rPr lang="ko-KR" altLang="en-US" smtClean="0"/>
+              <a:rPr lang="ko-KR" altLang="en-US"/>
               <a:t>마스터 제목 스타일 편집</a:t>
             </a:r>
           </a:p>
@@ -5288,35 +5291,35 @@
           <a:p>
             <a:pPr lvl="0"/>
             <a:r>
-              <a:rPr lang="ko-KR" altLang="en-US" smtClean="0"/>
+              <a:rPr lang="ko-KR" altLang="en-US"/>
               <a:t>마스터 텍스트 스타일을 편집합니다</a:t>
             </a:r>
           </a:p>
           <a:p>
             <a:pPr lvl="1"/>
             <a:r>
-              <a:rPr lang="ko-KR" altLang="en-US" smtClean="0"/>
+              <a:rPr lang="ko-KR" altLang="en-US"/>
               <a:t>둘째 수준</a:t>
             </a:r>
           </a:p>
           <a:p>
             <a:pPr lvl="2"/>
             <a:r>
-              <a:rPr lang="ko-KR" altLang="en-US" smtClean="0"/>
+              <a:rPr lang="ko-KR" altLang="en-US"/>
               <a:t>셋째 수준</a:t>
             </a:r>
           </a:p>
           <a:p>
             <a:pPr lvl="3"/>
             <a:r>
-              <a:rPr lang="ko-KR" altLang="en-US" smtClean="0"/>
+              <a:rPr lang="ko-KR" altLang="en-US"/>
               <a:t>넷째 수준</a:t>
             </a:r>
           </a:p>
           <a:p>
             <a:pPr lvl="4"/>
             <a:r>
-              <a:rPr lang="ko-KR" altLang="en-US" smtClean="0"/>
+              <a:rPr lang="ko-KR" altLang="en-US"/>
               <a:t>다섯째 수준</a:t>
             </a:r>
           </a:p>
@@ -5367,7 +5370,7 @@
               <a:pPr>
                 <a:defRPr/>
               </a:pPr>
-              <a:t>5/25/2017</a:t>
+              <a:t>5/28/2017</a:t>
             </a:fld>
             <a:endParaRPr lang="en-US" altLang="ko-KR"/>
           </a:p>
@@ -5896,7 +5899,7 @@
           <a:lstStyle/>
           <a:p>
             <a:r>
-              <a:rPr lang="en-US" altLang="ko-KR" dirty="0" smtClean="0"/>
+              <a:rPr lang="en-US" altLang="ko-KR" dirty="0"/>
               <a:t>Notice </a:t>
             </a:r>
             <a:endParaRPr lang="ko-KR" altLang="en-US" dirty="0"/>
@@ -5915,8 +5918,8 @@
         </p:nvSpPr>
         <p:spPr>
           <a:xfrm>
-            <a:off x="467544" y="980728"/>
-            <a:ext cx="8229600" cy="4525963"/>
+            <a:off x="611560" y="836712"/>
+            <a:ext cx="8229600" cy="5832648"/>
           </a:xfrm>
         </p:spPr>
         <p:txBody>
@@ -5927,7 +5930,7 @@
               <a:buNone/>
             </a:pPr>
             <a:r>
-              <a:rPr lang="en-US" altLang="ko-KR" sz="2400" b="1" dirty="0" smtClean="0"/>
+              <a:rPr lang="en-US" altLang="ko-KR" sz="2400" b="1" dirty="0"/>
               <a:t>1.Term Project </a:t>
             </a:r>
           </a:p>
@@ -5937,11 +5940,7 @@
             </a:pPr>
             <a:r>
               <a:rPr lang="en-US" altLang="ko-KR" sz="2400" dirty="0"/>
-              <a:t> </a:t>
-            </a:r>
-            <a:r>
-              <a:rPr lang="en-US" altLang="ko-KR" sz="2400" dirty="0" smtClean="0"/>
-              <a:t>     On June 1, It was scheduled to present the progress of each team. In stead of presentation, just submit the progress report in a page of A4, and font size 10.</a:t>
+              <a:t>      On June 1, It was scheduled to present the progress of each team. In stead of presentation, just submit the progress report in a page of A4, and font size 10.</a:t>
             </a:r>
           </a:p>
           <a:p>
@@ -5955,19 +5954,19 @@
               <a:buNone/>
             </a:pPr>
             <a:r>
-              <a:rPr lang="en-US" altLang="ko-KR" sz="2400" b="1" dirty="0" smtClean="0"/>
+              <a:rPr lang="en-US" altLang="ko-KR" sz="2400" b="1" dirty="0"/>
               <a:t>2.Homework #5 </a:t>
             </a:r>
             <a:r>
-              <a:rPr lang="en-US" altLang="ko-KR" sz="2400" dirty="0" smtClean="0"/>
+              <a:rPr lang="en-US" altLang="ko-KR" sz="2400" dirty="0"/>
               <a:t>: Sparse Matrix handling using </a:t>
             </a:r>
             <a:r>
-              <a:rPr lang="en-US" altLang="ko-KR" sz="2400" dirty="0" err="1" smtClean="0"/>
+              <a:rPr lang="en-US" altLang="ko-KR" sz="2400" dirty="0" err="1"/>
               <a:t>cuSPARSE</a:t>
             </a:r>
             <a:r>
-              <a:rPr lang="en-US" altLang="ko-KR" sz="2400" dirty="0" smtClean="0"/>
+              <a:rPr lang="en-US" altLang="ko-KR" sz="2400" dirty="0"/>
               <a:t>.</a:t>
             </a:r>
           </a:p>
@@ -5976,68 +5975,47 @@
               <a:buNone/>
             </a:pPr>
             <a:r>
-              <a:rPr lang="en-US" altLang="ko-KR" sz="2400" dirty="0" smtClean="0"/>
-              <a:t>      </a:t>
-            </a:r>
-            <a:r>
               <a:rPr lang="en-US" altLang="ko-KR" sz="2400" dirty="0"/>
-              <a:t> </a:t>
-            </a:r>
-            <a:r>
-              <a:rPr lang="en-US" altLang="ko-KR" sz="2400" dirty="0" smtClean="0"/>
-              <a:t>The given problems of the issued Homework#5 are too complicated to use the </a:t>
-            </a:r>
-            <a:r>
-              <a:rPr lang="en-US" altLang="ko-KR" sz="2400" dirty="0" err="1" smtClean="0"/>
+              <a:t>       The given problems of the issued Homework#5 are too complicated to use the </a:t>
+            </a:r>
+            <a:r>
+              <a:rPr lang="en-US" altLang="ko-KR" sz="2400" dirty="0" err="1"/>
               <a:t>cuSPARSE</a:t>
             </a:r>
             <a:r>
-              <a:rPr lang="en-US" altLang="ko-KR" sz="2400" dirty="0" smtClean="0"/>
+              <a:rPr lang="en-US" altLang="ko-KR" sz="2400" dirty="0"/>
               <a:t> functions. Therefore the problems of </a:t>
             </a:r>
             <a:r>
-              <a:rPr lang="en-US" altLang="ko-KR" sz="2400" b="1" dirty="0" smtClean="0"/>
-              <a:t>Homework#5 is changed  simply to explaining the procedures to handle the sparse Matrices Multiplication(COO, CSC and HYB) referring to the </a:t>
-            </a:r>
-            <a:r>
               <a:rPr lang="en-US" altLang="ko-KR" sz="2400" b="1" dirty="0"/>
-              <a:t>solution program ‘</a:t>
-            </a:r>
-            <a:r>
-              <a:rPr lang="en-US" altLang="ko-KR" sz="2400" b="1" dirty="0" err="1" smtClean="0"/>
+              <a:t>Homework#5 is changed  simply to explaining the procedures to handle the sparse Matrices Multiplication(COO, CSC and HYB) referring to the solution program ‘</a:t>
+            </a:r>
+            <a:r>
+              <a:rPr lang="en-US" altLang="ko-KR" sz="2400" b="1" dirty="0" err="1"/>
               <a:t>cusparse</a:t>
             </a:r>
             <a:r>
-              <a:rPr lang="en-US" altLang="ko-KR" sz="2400" b="1" dirty="0" smtClean="0"/>
-              <a:t>-matrix- </a:t>
-            </a:r>
-            <a:r>
               <a:rPr lang="en-US" altLang="ko-KR" sz="2400" b="1" dirty="0"/>
-              <a:t>matrix.cu</a:t>
-            </a:r>
-            <a:r>
-              <a:rPr lang="en-US" altLang="ko-KR" sz="2400" b="1" dirty="0" smtClean="0"/>
-              <a:t>’</a:t>
-            </a:r>
-            <a:r>
-              <a:rPr lang="en-US" altLang="ko-KR" sz="2400" dirty="0" smtClean="0"/>
+              <a:t>-matrix- matrix.cu’</a:t>
+            </a:r>
+            <a:r>
+              <a:rPr lang="en-US" altLang="ko-KR" sz="2400" dirty="0"/>
               <a:t>, which is to handle CSR format ,and the </a:t>
             </a:r>
             <a:r>
-              <a:rPr lang="en-US" altLang="ko-KR" sz="2400" b="1" dirty="0" smtClean="0"/>
+              <a:rPr lang="en-US" altLang="ko-KR" sz="2400" b="1" dirty="0"/>
               <a:t>functions given in the CUDA Toolkit Documentation 8.0</a:t>
             </a:r>
             <a:r>
-              <a:rPr lang="en-US" altLang="ko-KR" sz="2400" dirty="0" smtClean="0"/>
+              <a:rPr lang="en-US" altLang="ko-KR" sz="2400" dirty="0"/>
               <a:t>. The due day is still on May 30.</a:t>
             </a:r>
+          </a:p>
+          <a:p>
+            <a:pPr marL="0" indent="0">
+              <a:buNone/>
+            </a:pPr>
             <a:endParaRPr lang="en-US" altLang="ko-KR" sz="2400" dirty="0"/>
-          </a:p>
-          <a:p>
-            <a:pPr marL="0" indent="0">
-              <a:buNone/>
-            </a:pPr>
-            <a:endParaRPr lang="en-US" altLang="ko-KR" sz="2400" dirty="0" smtClean="0"/>
           </a:p>
           <a:p>
             <a:pPr marL="0" indent="0">
@@ -6097,20 +6075,8 @@
           <a:lstStyle/>
           <a:p>
             <a:r>
-              <a:rPr lang="en-US" altLang="ko-KR" sz="3200" dirty="0" smtClean="0"/>
-              <a:t>3.</a:t>
-            </a:r>
-            <a:r>
-              <a:rPr lang="en-US" altLang="ko-KR" sz="3200" dirty="0" smtClean="0"/>
-              <a:t>Presentation </a:t>
-            </a:r>
-            <a:r>
-              <a:rPr lang="en-US" altLang="ko-KR" sz="3200" dirty="0" smtClean="0"/>
-              <a:t>Schedule on May </a:t>
-            </a:r>
-            <a:r>
-              <a:rPr lang="en-US" altLang="ko-KR" sz="3200" dirty="0" smtClean="0"/>
-              <a:t>25 and June 1</a:t>
+              <a:rPr lang="en-US" altLang="ko-KR" sz="3200" dirty="0"/>
+              <a:t>3.Presentation Schedule on May 25 and June 1</a:t>
             </a:r>
             <a:endParaRPr lang="ko-KR" altLang="en-US" sz="3200" dirty="0"/>
           </a:p>
@@ -6135,7 +6101,7 @@
               <a:buNone/>
             </a:pPr>
             <a:r>
-              <a:rPr lang="en-US" altLang="ko-KR" sz="2800" dirty="0" smtClean="0"/>
+              <a:rPr lang="en-US" altLang="ko-KR" sz="2800" dirty="0"/>
               <a:t>May 25:</a:t>
             </a:r>
           </a:p>
@@ -6144,140 +6110,111 @@
               <a:buNone/>
             </a:pPr>
             <a:r>
-              <a:rPr lang="en-US" altLang="ko-KR" sz="2800" dirty="0" smtClean="0"/>
-              <a:t>13.</a:t>
-            </a:r>
-            <a:r>
-              <a:rPr lang="en-US" altLang="ko-KR" sz="2800" dirty="0" smtClean="0"/>
-              <a:t>cuDNN:</a:t>
-            </a:r>
-            <a:r>
-              <a:rPr lang="ko-KR" altLang="en-US" sz="2800" dirty="0" smtClean="0"/>
+              <a:rPr lang="en-US" altLang="ko-KR" sz="2800" dirty="0"/>
+              <a:t>13.cuDNN:</a:t>
+            </a:r>
+            <a:r>
+              <a:rPr lang="ko-KR" altLang="en-US" sz="2800" dirty="0"/>
               <a:t>정재호</a:t>
             </a:r>
-            <a:endParaRPr lang="en-US" altLang="ko-KR" sz="2800" dirty="0" smtClean="0"/>
+            <a:endParaRPr lang="en-US" altLang="ko-KR" sz="2800" dirty="0"/>
           </a:p>
           <a:p>
             <a:pPr marL="0" indent="0">
               <a:buNone/>
             </a:pPr>
             <a:r>
-              <a:rPr lang="en-US" altLang="ko-KR" sz="2800" dirty="0" smtClean="0"/>
-              <a:t>17</a:t>
-            </a:r>
-            <a:r>
-              <a:rPr lang="en-US" altLang="ko-KR" sz="2800" dirty="0" smtClean="0"/>
-              <a:t>. Fast Fourier Transform and CUFFT Lib: </a:t>
-            </a:r>
-            <a:r>
-              <a:rPr lang="ko-KR" altLang="en-US" sz="2800" dirty="0" smtClean="0"/>
-              <a:t>오은</a:t>
+              <a:rPr lang="en-US" altLang="ko-KR" sz="2800" dirty="0"/>
+              <a:t>17. Fast Fourier Transform and CUFFT Lib: </a:t>
             </a:r>
             <a:r>
               <a:rPr lang="ko-KR" altLang="en-US" sz="2800" dirty="0"/>
-              <a:t>영</a:t>
-            </a:r>
-            <a:endParaRPr lang="en-US" altLang="ko-KR" sz="2800" dirty="0" smtClean="0"/>
+              <a:t>오은영</a:t>
+            </a:r>
+            <a:endParaRPr lang="en-US" altLang="ko-KR" sz="2800" dirty="0"/>
           </a:p>
           <a:p>
             <a:pPr marL="0" indent="0">
               <a:buNone/>
             </a:pPr>
             <a:r>
-              <a:rPr lang="en-US" altLang="ko-KR" sz="2800" dirty="0" smtClean="0"/>
+              <a:rPr lang="en-US" altLang="ko-KR" sz="2800" dirty="0"/>
               <a:t>18. Multi-GPU Programming: </a:t>
             </a:r>
             <a:r>
-              <a:rPr lang="ko-KR" altLang="en-US" sz="2800" dirty="0" smtClean="0"/>
+              <a:rPr lang="ko-KR" altLang="en-US" sz="2800" dirty="0"/>
               <a:t>유찬희</a:t>
             </a:r>
-            <a:endParaRPr lang="en-US" altLang="ko-KR" sz="2800" dirty="0" smtClean="0"/>
+            <a:endParaRPr lang="en-US" altLang="ko-KR" sz="2800" dirty="0"/>
           </a:p>
           <a:p>
             <a:pPr marL="0" indent="0">
               <a:buNone/>
             </a:pPr>
             <a:r>
-              <a:rPr lang="en-US" altLang="ko-KR" sz="2800" dirty="0" smtClean="0"/>
+              <a:rPr lang="en-US" altLang="ko-KR" sz="2800" dirty="0"/>
               <a:t>19. CUDA Debugging: </a:t>
             </a:r>
             <a:r>
-              <a:rPr lang="ko-KR" altLang="en-US" sz="2800" dirty="0" smtClean="0"/>
+              <a:rPr lang="ko-KR" altLang="en-US" sz="2800" dirty="0"/>
               <a:t>김재엽</a:t>
             </a:r>
-            <a:endParaRPr lang="en-US" altLang="ko-KR" sz="2800" dirty="0" smtClean="0"/>
+            <a:endParaRPr lang="en-US" altLang="ko-KR" sz="2800" dirty="0"/>
           </a:p>
           <a:p>
             <a:pPr marL="0" indent="0">
               <a:buNone/>
             </a:pPr>
             <a:r>
-              <a:rPr lang="en-US" altLang="ko-KR" sz="2800" b="1" dirty="0" smtClean="0"/>
+              <a:rPr lang="en-US" altLang="ko-KR" sz="2800" b="1" dirty="0"/>
               <a:t>June 1:</a:t>
             </a:r>
-            <a:endParaRPr lang="en-US" altLang="ko-KR" sz="2800" b="1" dirty="0" smtClean="0"/>
           </a:p>
           <a:p>
             <a:pPr marL="0" indent="0">
               <a:buNone/>
             </a:pPr>
             <a:r>
-              <a:rPr lang="en-US" altLang="ko-KR" sz="2800" dirty="0" smtClean="0"/>
+              <a:rPr lang="en-US" altLang="ko-KR" sz="2800" dirty="0"/>
               <a:t>20. </a:t>
             </a:r>
             <a:r>
-              <a:rPr lang="en-US" altLang="ko-KR" sz="2800" dirty="0" err="1" smtClean="0"/>
+              <a:rPr lang="en-US" altLang="ko-KR" sz="2800" dirty="0" err="1"/>
               <a:t>PyCUDA</a:t>
             </a:r>
             <a:r>
-              <a:rPr lang="en-US" altLang="ko-KR" sz="2800" dirty="0" smtClean="0"/>
+              <a:rPr lang="en-US" altLang="ko-KR" sz="2800" dirty="0"/>
               <a:t> : </a:t>
             </a:r>
             <a:r>
-              <a:rPr lang="ko-KR" altLang="en-US" sz="2800" dirty="0" smtClean="0"/>
+              <a:rPr lang="ko-KR" altLang="en-US" sz="2800" dirty="0"/>
               <a:t>김진권</a:t>
             </a:r>
-            <a:endParaRPr lang="en-US" altLang="ko-KR" sz="2800" dirty="0" smtClean="0"/>
+            <a:endParaRPr lang="en-US" altLang="ko-KR" sz="2800" dirty="0"/>
           </a:p>
           <a:p>
             <a:pPr marL="0" indent="0">
               <a:buNone/>
             </a:pPr>
             <a:r>
-              <a:rPr lang="en-US" altLang="ko-KR" sz="2800" dirty="0" smtClean="0"/>
+              <a:rPr lang="en-US" altLang="ko-KR" sz="2800" dirty="0"/>
               <a:t>21. </a:t>
             </a:r>
             <a:r>
               <a:rPr lang="pt-BR" altLang="ko-KR" sz="2800" dirty="0"/>
-              <a:t>Nvidia </a:t>
-            </a:r>
-            <a:r>
-              <a:rPr lang="pt-BR" altLang="ko-KR" sz="2800" dirty="0" smtClean="0"/>
-              <a:t>Volta </a:t>
-            </a:r>
+              <a:t>Nvidia Volta GV100 GPU, Tesla V100 Accelerator</a:t>
+            </a:r>
+          </a:p>
+          <a:p>
+            <a:pPr marL="0" indent="0">
+              <a:buNone/>
+            </a:pPr>
             <a:r>
               <a:rPr lang="pt-BR" altLang="ko-KR" sz="2800" dirty="0"/>
-              <a:t>GV100 GPU, Tesla V100 </a:t>
-            </a:r>
-            <a:r>
-              <a:rPr lang="pt-BR" altLang="ko-KR" sz="2800" dirty="0" smtClean="0"/>
-              <a:t>Accelerator</a:t>
-            </a:r>
-          </a:p>
-          <a:p>
-            <a:pPr marL="0" indent="0">
-              <a:buNone/>
-            </a:pPr>
-            <a:r>
-              <a:rPr lang="pt-BR" altLang="ko-KR" sz="2800" dirty="0"/>
-              <a:t> </a:t>
-            </a:r>
-            <a:r>
-              <a:rPr lang="pt-BR" altLang="ko-KR" sz="2800" dirty="0" smtClean="0"/>
-              <a:t>   :</a:t>
-            </a:r>
-            <a:r>
-              <a:rPr lang="ko-KR" altLang="en-US" sz="2800" dirty="0" smtClean="0"/>
+              <a:t>    :</a:t>
+            </a:r>
+            <a:r>
+              <a:rPr lang="ko-KR" altLang="en-US" sz="2800" dirty="0"/>
               <a:t>이준희</a:t>
             </a:r>
             <a:endParaRPr lang="pt-BR" altLang="ko-KR" sz="2800" dirty="0"/>
